--- a/dokumentacija/predaja/Rasadnik_Prezentacija.pptx
+++ b/dokumentacija/predaja/Rasadnik_Prezentacija.pptx
@@ -7878,8 +7878,12 @@
               <a:buChar char="o"/>
             </a:pPr>
             <a:r>
-              <a:rPr lang="sr-Latn-BA" dirty="0"/>
-              <a:t>Smanjene potrebnog vremena za pronalaženje željenih podataka</a:t>
+              <a:rPr lang="sr-Latn-BA"/>
+              <a:t>Smanjenje </a:t>
+            </a:r>
+            <a:r>
+              <a:rPr lang="sr-Latn-BA" dirty="0"/>
+              <a:t>potrebnog vremena za pronalaženje željenih podataka</a:t>
             </a:r>
           </a:p>
           <a:p>
